--- a/System Programming/WEEK/Week3/03.IO.Unix.Filesystem.Concepts.pptx
+++ b/System Programming/WEEK/Week3/03.IO.Unix.Filesystem.Concepts.pptx
@@ -210,6 +210,42 @@
     </p:ext>
   </p:extLst>
 </p:presentation>
+</file>
+
+<file path=ppt/changesInfos/changesInfo1.xml><?xml version="1.0" encoding="utf-8"?>
+<pc:chgInfo xmlns:a="http://schemas.openxmlformats.org/drawingml/2006/main" xmlns:r="http://schemas.openxmlformats.org/officeDocument/2006/relationships" xmlns:ac="http://schemas.microsoft.com/office/drawing/2013/main/command" xmlns:pc="http://schemas.microsoft.com/office/powerpoint/2013/main/command">
+  <pc:docChgLst>
+    <pc:chgData name="은수 여" userId="168bdae620a9ea5e" providerId="LiveId" clId="{D3978F20-7145-450D-BB56-280B784D64B4}"/>
+    <pc:docChg chg="modSld sldOrd">
+      <pc:chgData name="은수 여" userId="168bdae620a9ea5e" providerId="LiveId" clId="{D3978F20-7145-450D-BB56-280B784D64B4}" dt="2025-03-18T14:57:27.450" v="2"/>
+      <pc:docMkLst>
+        <pc:docMk/>
+      </pc:docMkLst>
+      <pc:sldChg chg="ord">
+        <pc:chgData name="은수 여" userId="168bdae620a9ea5e" providerId="LiveId" clId="{D3978F20-7145-450D-BB56-280B784D64B4}" dt="2025-03-18T14:57:27.450" v="2"/>
+        <pc:sldMkLst>
+          <pc:docMk/>
+          <pc:sldMk cId="3158451415" sldId="479"/>
+        </pc:sldMkLst>
+      </pc:sldChg>
+      <pc:sldChg chg="modSp mod">
+        <pc:chgData name="은수 여" userId="168bdae620a9ea5e" providerId="LiveId" clId="{D3978F20-7145-450D-BB56-280B784D64B4}" dt="2025-03-18T14:34:58.713" v="0" actId="14734"/>
+        <pc:sldMkLst>
+          <pc:docMk/>
+          <pc:sldMk cId="1935355531" sldId="490"/>
+        </pc:sldMkLst>
+        <pc:graphicFrameChg chg="modGraphic">
+          <ac:chgData name="은수 여" userId="168bdae620a9ea5e" providerId="LiveId" clId="{D3978F20-7145-450D-BB56-280B784D64B4}" dt="2025-03-18T14:34:58.713" v="0" actId="14734"/>
+          <ac:graphicFrameMkLst>
+            <pc:docMk/>
+            <pc:sldMk cId="1935355531" sldId="490"/>
+            <ac:graphicFrameMk id="5" creationId="{00000000-0000-0000-0000-000000000000}"/>
+          </ac:graphicFrameMkLst>
+        </pc:graphicFrameChg>
+      </pc:sldChg>
+    </pc:docChg>
+  </pc:docChgLst>
+</pc:chgInfo>
 </file>
 
 <file path=ppt/handoutMasters/handoutMaster1.xml><?xml version="1.0" encoding="utf-8"?>
@@ -16650,14 +16686,14 @@
           <p:nvPr>
             <p:extLst>
               <p:ext uri="{D42A27DB-BD31-4B8C-83A1-F6EECF244321}">
-                <p14:modId xmlns:p14="http://schemas.microsoft.com/office/powerpoint/2010/main" val="2170388042"/>
+                <p14:modId xmlns:p14="http://schemas.microsoft.com/office/powerpoint/2010/main" val="3510600567"/>
               </p:ext>
             </p:extLst>
           </p:nvPr>
         </p:nvGraphicFramePr>
         <p:xfrm>
-          <a:off x="1156008" y="2822400"/>
-          <a:ext cx="7313343" cy="3657600"/>
+          <a:off x="1159497" y="2822400"/>
+          <a:ext cx="7309854" cy="3657600"/>
         </p:xfrm>
         <a:graphic>
           <a:graphicData uri="http://schemas.openxmlformats.org/drawingml/2006/table">
@@ -16666,7 +16702,7 @@
                 <a:tableStyleId>{5C22544A-7EE6-4342-B048-85BDC9FD1C3A}</a:tableStyleId>
               </a:tblPr>
               <a:tblGrid>
-                <a:gridCol w="1932879">
+                <a:gridCol w="1929390">
                   <a:extLst>
                     <a:ext uri="{9D8B030D-6E8A-4147-A177-3AD203B41FA5}">
                       <a16:colId xmlns:a16="http://schemas.microsoft.com/office/drawing/2014/main" val="20000"/>

--- a/System Programming/WEEK/Week3/03.IO.Unix.Filesystem.Concepts.pptx
+++ b/System Programming/WEEK/Week3/03.IO.Unix.Filesystem.Concepts.pptx
@@ -212,36 +212,52 @@
 </p:presentation>
 </file>
 
+<file path=ppt/revisionInfo.xml><?xml version="1.0" encoding="utf-8"?>
+<p1510:revInfo xmlns:a="http://schemas.openxmlformats.org/drawingml/2006/main" xmlns:r="http://schemas.openxmlformats.org/officeDocument/2006/relationships" xmlns:p1510="http://schemas.microsoft.com/office/powerpoint/2015/10/main">
+  <p1510:revLst>
+    <p1510:client id="{BBAC808B-59FC-4C8C-91EE-982C7A3A0BCF}" v="1" dt="2025-04-20T07:31:28.493"/>
+  </p1510:revLst>
+</p1510:revInfo>
+</file>
+
 <file path=ppt/changesInfos/changesInfo1.xml><?xml version="1.0" encoding="utf-8"?>
 <pc:chgInfo xmlns:a="http://schemas.openxmlformats.org/drawingml/2006/main" xmlns:r="http://schemas.openxmlformats.org/officeDocument/2006/relationships" xmlns:ac="http://schemas.microsoft.com/office/drawing/2013/main/command" xmlns:pc="http://schemas.microsoft.com/office/powerpoint/2013/main/command">
   <pc:docChgLst>
-    <pc:chgData name="은수 여" userId="168bdae620a9ea5e" providerId="LiveId" clId="{D3978F20-7145-450D-BB56-280B784D64B4}"/>
-    <pc:docChg chg="modSld sldOrd">
-      <pc:chgData name="은수 여" userId="168bdae620a9ea5e" providerId="LiveId" clId="{D3978F20-7145-450D-BB56-280B784D64B4}" dt="2025-03-18T14:57:27.450" v="2"/>
+    <pc:chgData name="은수 여" userId="168bdae620a9ea5e" providerId="LiveId" clId="{BBAC808B-59FC-4C8C-91EE-982C7A3A0BCF}"/>
+    <pc:docChg chg="modSld">
+      <pc:chgData name="은수 여" userId="168bdae620a9ea5e" providerId="LiveId" clId="{BBAC808B-59FC-4C8C-91EE-982C7A3A0BCF}" dt="2025-04-20T07:52:01.793" v="1" actId="1076"/>
       <pc:docMkLst>
         <pc:docMk/>
       </pc:docMkLst>
-      <pc:sldChg chg="ord">
-        <pc:chgData name="은수 여" userId="168bdae620a9ea5e" providerId="LiveId" clId="{D3978F20-7145-450D-BB56-280B784D64B4}" dt="2025-03-18T14:57:27.450" v="2"/>
+      <pc:sldChg chg="modSp">
+        <pc:chgData name="은수 여" userId="168bdae620a9ea5e" providerId="LiveId" clId="{BBAC808B-59FC-4C8C-91EE-982C7A3A0BCF}" dt="2025-04-20T07:31:28.492" v="0" actId="20578"/>
         <pc:sldMkLst>
           <pc:docMk/>
-          <pc:sldMk cId="3158451415" sldId="479"/>
+          <pc:sldMk cId="3137645033" sldId="473"/>
         </pc:sldMkLst>
+        <pc:spChg chg="mod">
+          <ac:chgData name="은수 여" userId="168bdae620a9ea5e" providerId="LiveId" clId="{BBAC808B-59FC-4C8C-91EE-982C7A3A0BCF}" dt="2025-04-20T07:31:28.492" v="0" actId="20578"/>
+          <ac:spMkLst>
+            <pc:docMk/>
+            <pc:sldMk cId="3137645033" sldId="473"/>
+            <ac:spMk id="5" creationId="{00000000-0000-0000-0000-000000000000}"/>
+          </ac:spMkLst>
+        </pc:spChg>
       </pc:sldChg>
       <pc:sldChg chg="modSp mod">
-        <pc:chgData name="은수 여" userId="168bdae620a9ea5e" providerId="LiveId" clId="{D3978F20-7145-450D-BB56-280B784D64B4}" dt="2025-03-18T14:34:58.713" v="0" actId="14734"/>
+        <pc:chgData name="은수 여" userId="168bdae620a9ea5e" providerId="LiveId" clId="{BBAC808B-59FC-4C8C-91EE-982C7A3A0BCF}" dt="2025-04-20T07:52:01.793" v="1" actId="1076"/>
         <pc:sldMkLst>
           <pc:docMk/>
-          <pc:sldMk cId="1935355531" sldId="490"/>
+          <pc:sldMk cId="2153997325" sldId="478"/>
         </pc:sldMkLst>
-        <pc:graphicFrameChg chg="modGraphic">
-          <ac:chgData name="은수 여" userId="168bdae620a9ea5e" providerId="LiveId" clId="{D3978F20-7145-450D-BB56-280B784D64B4}" dt="2025-03-18T14:34:58.713" v="0" actId="14734"/>
-          <ac:graphicFrameMkLst>
+        <pc:spChg chg="mod">
+          <ac:chgData name="은수 여" userId="168bdae620a9ea5e" providerId="LiveId" clId="{BBAC808B-59FC-4C8C-91EE-982C7A3A0BCF}" dt="2025-04-20T07:52:01.793" v="1" actId="1076"/>
+          <ac:spMkLst>
             <pc:docMk/>
-            <pc:sldMk cId="1935355531" sldId="490"/>
-            <ac:graphicFrameMk id="5" creationId="{00000000-0000-0000-0000-000000000000}"/>
-          </ac:graphicFrameMkLst>
-        </pc:graphicFrameChg>
+            <pc:sldMk cId="2153997325" sldId="478"/>
+            <ac:spMk id="4" creationId="{00000000-0000-0000-0000-000000000000}"/>
+          </ac:spMkLst>
+        </pc:spChg>
       </pc:sldChg>
     </pc:docChg>
   </pc:docChgLst>
@@ -11382,43 +11398,43 @@
             </a:r>
           </a:p>
           <a:p>
+            <a:r>
+              <a:rPr lang="en-US" altLang="ko-KR" sz="1100" dirty="0">
+                <a:latin typeface="Consolas" panose="020B0609020204030204" pitchFamily="49" charset="0"/>
+                <a:cs typeface="Consolas" panose="020B0609020204030204" pitchFamily="49" charset="0"/>
+              </a:rPr>
+              <a:t>$ </a:t>
+            </a:r>
+            <a:r>
+              <a:rPr lang="en-US" altLang="ko-KR" sz="1100" dirty="0" err="1">
+                <a:latin typeface="Consolas" panose="020B0609020204030204" pitchFamily="49" charset="0"/>
+                <a:cs typeface="Consolas" panose="020B0609020204030204" pitchFamily="49" charset="0"/>
+              </a:rPr>
+              <a:t>printf</a:t>
+            </a:r>
+            <a:r>
+              <a:rPr lang="en-US" altLang="ko-KR" sz="1100" dirty="0">
+                <a:latin typeface="Consolas" panose="020B0609020204030204" pitchFamily="49" charset="0"/>
+                <a:cs typeface="Consolas" panose="020B0609020204030204" pitchFamily="49" charset="0"/>
+              </a:rPr>
+              <a:t> ", test, and test!"\\n &gt;&gt; </a:t>
+            </a:r>
+            <a:r>
+              <a:rPr lang="en-US" altLang="ko-KR" sz="1100" b="1" dirty="0">
+                <a:solidFill>
+                  <a:schemeClr val="tx2"/>
+                </a:solidFill>
+                <a:latin typeface="Consolas" panose="020B0609020204030204" pitchFamily="49" charset="0"/>
+                <a:cs typeface="Consolas" panose="020B0609020204030204" pitchFamily="49" charset="0"/>
+              </a:rPr>
+              <a:t>testing </a:t>
+            </a:r>
+          </a:p>
+          <a:p>
             <a:endParaRPr lang="en-US" altLang="ko-KR" sz="1100" dirty="0">
               <a:latin typeface="Consolas" panose="020B0609020204030204" pitchFamily="49" charset="0"/>
               <a:cs typeface="Consolas" panose="020B0609020204030204" pitchFamily="49" charset="0"/>
             </a:endParaRPr>
-          </a:p>
-          <a:p>
-            <a:r>
-              <a:rPr lang="en-US" altLang="ko-KR" sz="1100" dirty="0">
-                <a:latin typeface="Consolas" panose="020B0609020204030204" pitchFamily="49" charset="0"/>
-                <a:cs typeface="Consolas" panose="020B0609020204030204" pitchFamily="49" charset="0"/>
-              </a:rPr>
-              <a:t>$ </a:t>
-            </a:r>
-            <a:r>
-              <a:rPr lang="en-US" altLang="ko-KR" sz="1100" dirty="0" err="1">
-                <a:latin typeface="Consolas" panose="020B0609020204030204" pitchFamily="49" charset="0"/>
-                <a:cs typeface="Consolas" panose="020B0609020204030204" pitchFamily="49" charset="0"/>
-              </a:rPr>
-              <a:t>printf</a:t>
-            </a:r>
-            <a:r>
-              <a:rPr lang="en-US" altLang="ko-KR" sz="1100" dirty="0">
-                <a:latin typeface="Consolas" panose="020B0609020204030204" pitchFamily="49" charset="0"/>
-                <a:cs typeface="Consolas" panose="020B0609020204030204" pitchFamily="49" charset="0"/>
-              </a:rPr>
-              <a:t> ", test, and test!"\\n &gt;&gt; </a:t>
-            </a:r>
-            <a:r>
-              <a:rPr lang="en-US" altLang="ko-KR" sz="1100" b="1" dirty="0">
-                <a:solidFill>
-                  <a:schemeClr val="tx2"/>
-                </a:solidFill>
-                <a:latin typeface="Consolas" panose="020B0609020204030204" pitchFamily="49" charset="0"/>
-                <a:cs typeface="Consolas" panose="020B0609020204030204" pitchFamily="49" charset="0"/>
-              </a:rPr>
-              <a:t>testing </a:t>
-            </a:r>
           </a:p>
           <a:p>
             <a:endParaRPr lang="en-US" altLang="ko-KR" sz="1100" dirty="0">
@@ -16686,14 +16702,14 @@
           <p:nvPr>
             <p:extLst>
               <p:ext uri="{D42A27DB-BD31-4B8C-83A1-F6EECF244321}">
-                <p14:modId xmlns:p14="http://schemas.microsoft.com/office/powerpoint/2010/main" val="3510600567"/>
+                <p14:modId xmlns:p14="http://schemas.microsoft.com/office/powerpoint/2010/main" val="2170388042"/>
               </p:ext>
             </p:extLst>
           </p:nvPr>
         </p:nvGraphicFramePr>
         <p:xfrm>
-          <a:off x="1159497" y="2822400"/>
-          <a:ext cx="7309854" cy="3657600"/>
+          <a:off x="1156008" y="2822400"/>
+          <a:ext cx="7313343" cy="3657600"/>
         </p:xfrm>
         <a:graphic>
           <a:graphicData uri="http://schemas.openxmlformats.org/drawingml/2006/table">
@@ -16702,7 +16718,7 @@
                 <a:tableStyleId>{5C22544A-7EE6-4342-B048-85BDC9FD1C3A}</a:tableStyleId>
               </a:tblPr>
               <a:tblGrid>
-                <a:gridCol w="1929390">
+                <a:gridCol w="1932879">
                   <a:extLst>
                     <a:ext uri="{9D8B030D-6E8A-4147-A177-3AD203B41FA5}">
                       <a16:colId xmlns:a16="http://schemas.microsoft.com/office/drawing/2014/main" val="20000"/>
@@ -22706,7 +22722,7 @@
         </p:nvSpPr>
         <p:spPr>
           <a:xfrm>
-            <a:off x="1352904" y="2154311"/>
+            <a:off x="1324624" y="2154311"/>
             <a:ext cx="4657044" cy="523220"/>
           </a:xfrm>
           <a:prstGeom prst="rect">
